--- a/課題研究/2013/松本併太/課題研究ポスター.pptx
+++ b/課題研究/2013/松本併太/課題研究ポスター.pptx
@@ -221,11 +221,11 @@
         </c:dLbls>
         <c:marker val="1"/>
         <c:smooth val="0"/>
-        <c:axId val="121940608"/>
-        <c:axId val="122729216"/>
+        <c:axId val="125066240"/>
+        <c:axId val="125068416"/>
       </c:lineChart>
       <c:catAx>
-        <c:axId val="121940608"/>
+        <c:axId val="125066240"/>
         <c:scaling>
           <c:orientation val="minMax"/>
         </c:scaling>
@@ -245,7 +245,7 @@
             <a:endParaRPr lang="ja-JP"/>
           </a:p>
         </c:txPr>
-        <c:crossAx val="122729216"/>
+        <c:crossAx val="125068416"/>
         <c:crosses val="autoZero"/>
         <c:auto val="1"/>
         <c:lblAlgn val="ctr"/>
@@ -253,7 +253,7 @@
         <c:noMultiLvlLbl val="0"/>
       </c:catAx>
       <c:valAx>
-        <c:axId val="122729216"/>
+        <c:axId val="125068416"/>
         <c:scaling>
           <c:orientation val="minMax"/>
         </c:scaling>
@@ -274,7 +274,7 @@
             <a:endParaRPr lang="ja-JP"/>
           </a:p>
         </c:txPr>
-        <c:crossAx val="121940608"/>
+        <c:crossAx val="125066240"/>
         <c:crosses val="autoZero"/>
         <c:crossBetween val="between"/>
       </c:valAx>
@@ -397,7 +397,7 @@
           <a:p>
             <a:fld id="{4482B9E4-AD94-4C09-808B-64E752EC4239}" type="datetimeFigureOut">
               <a:rPr kumimoji="1" lang="ja-JP" altLang="en-US" smtClean="0"/>
-              <a:t>2013/12/11</a:t>
+              <a:t>2013/12/12</a:t>
             </a:fld>
             <a:endParaRPr kumimoji="1" lang="ja-JP" altLang="en-US"/>
           </a:p>
@@ -989,7 +989,7 @@
                 </a:solidFill>
               </a:rPr>
               <a:pPr/>
-              <a:t>2013/12/11</a:t>
+              <a:t>2013/12/12</a:t>
             </a:fld>
             <a:endParaRPr lang="ja-JP" altLang="en-US">
               <a:solidFill>
@@ -1228,7 +1228,7 @@
                 </a:solidFill>
               </a:rPr>
               <a:pPr/>
-              <a:t>2013/12/11</a:t>
+              <a:t>2013/12/12</a:t>
             </a:fld>
             <a:endParaRPr lang="ja-JP" altLang="en-US">
               <a:solidFill>
@@ -1472,7 +1472,7 @@
                 </a:solidFill>
               </a:rPr>
               <a:pPr/>
-              <a:t>2013/12/11</a:t>
+              <a:t>2013/12/12</a:t>
             </a:fld>
             <a:endParaRPr lang="ja-JP" altLang="en-US">
               <a:solidFill>
@@ -1752,7 +1752,7 @@
                 </a:solidFill>
               </a:rPr>
               <a:pPr/>
-              <a:t>2013/12/11</a:t>
+              <a:t>2013/12/12</a:t>
             </a:fld>
             <a:endParaRPr lang="ja-JP" altLang="en-US">
               <a:solidFill>
@@ -2023,7 +2023,7 @@
                 </a:solidFill>
               </a:rPr>
               <a:pPr/>
-              <a:t>2013/12/11</a:t>
+              <a:t>2013/12/12</a:t>
             </a:fld>
             <a:endParaRPr lang="ja-JP" altLang="en-US">
               <a:solidFill>
@@ -2303,7 +2303,7 @@
                 </a:solidFill>
               </a:rPr>
               <a:pPr/>
-              <a:t>2013/12/11</a:t>
+              <a:t>2013/12/12</a:t>
             </a:fld>
             <a:endParaRPr lang="ja-JP" altLang="en-US">
               <a:solidFill>
@@ -2714,7 +2714,7 @@
                 </a:solidFill>
               </a:rPr>
               <a:pPr/>
-              <a:t>2013/12/11</a:t>
+              <a:t>2013/12/12</a:t>
             </a:fld>
             <a:endParaRPr lang="ja-JP" altLang="en-US">
               <a:solidFill>
@@ -3258,7 +3258,7 @@
                 </a:solidFill>
               </a:rPr>
               <a:pPr/>
-              <a:t>2013/12/11</a:t>
+              <a:t>2013/12/12</a:t>
             </a:fld>
             <a:endParaRPr lang="ja-JP" altLang="en-US">
               <a:solidFill>
@@ -3408,7 +3408,7 @@
                 </a:solidFill>
               </a:rPr>
               <a:pPr/>
-              <a:t>2013/12/11</a:t>
+              <a:t>2013/12/12</a:t>
             </a:fld>
             <a:endParaRPr lang="ja-JP" altLang="en-US">
               <a:solidFill>
@@ -3535,7 +3535,7 @@
                 </a:solidFill>
               </a:rPr>
               <a:pPr/>
-              <a:t>2013/12/11</a:t>
+              <a:t>2013/12/12</a:t>
             </a:fld>
             <a:endParaRPr lang="ja-JP" altLang="en-US">
               <a:solidFill>
@@ -3889,7 +3889,7 @@
                 </a:solidFill>
               </a:rPr>
               <a:pPr/>
-              <a:t>2013/12/11</a:t>
+              <a:t>2013/12/12</a:t>
             </a:fld>
             <a:endParaRPr lang="ja-JP" altLang="en-US">
               <a:solidFill>
@@ -4160,7 +4160,7 @@
                 </a:solidFill>
               </a:rPr>
               <a:pPr/>
-              <a:t>2013/12/11</a:t>
+              <a:t>2013/12/12</a:t>
             </a:fld>
             <a:endParaRPr lang="ja-JP" altLang="en-US">
               <a:solidFill>
@@ -4388,7 +4388,7 @@
                 </a:solidFill>
               </a:rPr>
               <a:pPr/>
-              <a:t>2013/12/11</a:t>
+              <a:t>2013/12/12</a:t>
             </a:fld>
             <a:endParaRPr lang="ja-JP" altLang="en-US">
               <a:solidFill>
@@ -5145,7 +5145,7 @@
                 </a:solidFill>
               </a:rPr>
               <a:pPr/>
-              <a:t>2013/12/11</a:t>
+              <a:t>2013/12/12</a:t>
             </a:fld>
             <a:endParaRPr lang="ja-JP" altLang="en-US">
               <a:solidFill>
@@ -5389,7 +5389,7 @@
                 </a:solidFill>
               </a:rPr>
               <a:pPr/>
-              <a:t>2013/12/11</a:t>
+              <a:t>2013/12/12</a:t>
             </a:fld>
             <a:endParaRPr lang="ja-JP" altLang="en-US">
               <a:solidFill>
@@ -5669,7 +5669,7 @@
                 </a:solidFill>
               </a:rPr>
               <a:pPr/>
-              <a:t>2013/12/11</a:t>
+              <a:t>2013/12/12</a:t>
             </a:fld>
             <a:endParaRPr lang="ja-JP" altLang="en-US">
               <a:solidFill>
@@ -6080,7 +6080,7 @@
                 </a:solidFill>
               </a:rPr>
               <a:pPr/>
-              <a:t>2013/12/11</a:t>
+              <a:t>2013/12/12</a:t>
             </a:fld>
             <a:endParaRPr lang="ja-JP" altLang="en-US">
               <a:solidFill>
@@ -6624,7 +6624,7 @@
                 </a:solidFill>
               </a:rPr>
               <a:pPr/>
-              <a:t>2013/12/11</a:t>
+              <a:t>2013/12/12</a:t>
             </a:fld>
             <a:endParaRPr lang="ja-JP" altLang="en-US">
               <a:solidFill>
@@ -6774,7 +6774,7 @@
                 </a:solidFill>
               </a:rPr>
               <a:pPr/>
-              <a:t>2013/12/11</a:t>
+              <a:t>2013/12/12</a:t>
             </a:fld>
             <a:endParaRPr lang="ja-JP" altLang="en-US">
               <a:solidFill>
@@ -6901,7 +6901,7 @@
                 </a:solidFill>
               </a:rPr>
               <a:pPr/>
-              <a:t>2013/12/11</a:t>
+              <a:t>2013/12/12</a:t>
             </a:fld>
             <a:endParaRPr lang="ja-JP" altLang="en-US">
               <a:solidFill>
@@ -7255,7 +7255,7 @@
                 </a:solidFill>
               </a:rPr>
               <a:pPr/>
-              <a:t>2013/12/11</a:t>
+              <a:t>2013/12/12</a:t>
             </a:fld>
             <a:endParaRPr lang="ja-JP" altLang="en-US">
               <a:solidFill>
@@ -7483,7 +7483,7 @@
                 </a:solidFill>
               </a:rPr>
               <a:pPr/>
-              <a:t>2013/12/11</a:t>
+              <a:t>2013/12/12</a:t>
             </a:fld>
             <a:endParaRPr lang="ja-JP" altLang="en-US">
               <a:solidFill>
@@ -28114,7 +28114,7 @@
                 </a:solidFill>
               </a:rPr>
               <a:pPr/>
-              <a:t>2013/12/11</a:t>
+              <a:t>2013/12/12</a:t>
             </a:fld>
             <a:endParaRPr lang="ja-JP" altLang="en-US">
               <a:solidFill>
@@ -48623,7 +48623,7 @@
                 </a:solidFill>
               </a:rPr>
               <a:pPr defTabSz="2952323"/>
-              <a:t>2013/12/11</a:t>
+              <a:t>2013/12/12</a:t>
             </a:fld>
             <a:endParaRPr lang="ja-JP" altLang="en-US">
               <a:solidFill>
@@ -50050,7 +50050,7 @@
         </p:nvSpPr>
         <p:spPr>
           <a:xfrm>
-            <a:off x="1346345" y="19244443"/>
+            <a:off x="1346344" y="19892515"/>
             <a:ext cx="9299158" cy="10009112"/>
           </a:xfrm>
           <a:prstGeom prst="roundRect">
@@ -50092,7 +50092,7 @@
         </p:nvSpPr>
         <p:spPr>
           <a:xfrm>
-            <a:off x="11367075" y="19388459"/>
+            <a:off x="11360645" y="19892515"/>
             <a:ext cx="8614128" cy="10009112"/>
           </a:xfrm>
           <a:prstGeom prst="rect">
@@ -50140,13 +50140,13 @@
           <p:nvPr>
             <p:extLst>
               <p:ext uri="{D42A27DB-BD31-4B8C-83A1-F6EECF244321}">
-                <p14:modId xmlns:p14="http://schemas.microsoft.com/office/powerpoint/2010/main" val="798622606"/>
+                <p14:modId xmlns:p14="http://schemas.microsoft.com/office/powerpoint/2010/main" val="2053693206"/>
               </p:ext>
             </p:extLst>
           </p:nvPr>
         </p:nvGraphicFramePr>
         <p:xfrm>
-          <a:off x="11861647" y="19926038"/>
+          <a:off x="11855217" y="20350520"/>
           <a:ext cx="7624983" cy="9140795"/>
         </p:xfrm>
         <a:graphic>
@@ -50159,7 +50159,7 @@
                 <a:gridCol w="3031518"/>
                 <a:gridCol w="4593465"/>
               </a:tblGrid>
-              <a:tr h="557435">
+              <a:tr h="396671">
                 <a:tc>
                   <a:txBody>
                     <a:bodyPr/>
@@ -50901,27 +50901,7 @@
                           <a:latin typeface="+mj-ea"/>
                           <a:ea typeface="+mj-ea"/>
                         </a:rPr>
-                        <a:t>結果をもとに次世代ヒットする玩具はどのようなもの</a:t>
-                      </a:r>
-                      <a:r>
-                        <a:rPr kumimoji="1" lang="ja-JP" altLang="en-US" sz="3200" b="1" dirty="0" smtClean="0">
-                          <a:solidFill>
-                            <a:schemeClr val="bg1"/>
-                          </a:solidFill>
-                          <a:latin typeface="+mj-ea"/>
-                          <a:ea typeface="+mj-ea"/>
-                        </a:rPr>
-                        <a:t>か予測</a:t>
-                      </a:r>
-                      <a:r>
-                        <a:rPr kumimoji="1" lang="ja-JP" altLang="en-US" sz="3200" b="1" dirty="0" smtClean="0">
-                          <a:solidFill>
-                            <a:schemeClr val="bg1"/>
-                          </a:solidFill>
-                          <a:latin typeface="+mj-ea"/>
-                          <a:ea typeface="+mj-ea"/>
-                        </a:rPr>
-                        <a:t>　</a:t>
+                        <a:t>結果をもとに次世代ヒットする玩具はどのようなものか予測　</a:t>
                       </a:r>
                       <a:endParaRPr kumimoji="1" lang="en-US" altLang="ja-JP" sz="3200" b="1" dirty="0" smtClean="0">
                         <a:solidFill>
@@ -51089,7 +51069,7 @@
         <p:spPr>
           <a:xfrm>
             <a:off x="1346345" y="1556508"/>
-            <a:ext cx="17964663" cy="6438190"/>
+            <a:ext cx="17964663" cy="6022639"/>
           </a:xfrm>
           <a:prstGeom prst="roundRect">
             <a:avLst/>
@@ -51175,8 +51155,8 @@
         </p:nvSpPr>
         <p:spPr>
           <a:xfrm>
-            <a:off x="1346344" y="8940249"/>
-            <a:ext cx="19068135" cy="8720018"/>
+            <a:off x="1346344" y="8155211"/>
+            <a:ext cx="19068135" cy="10009112"/>
           </a:xfrm>
           <a:prstGeom prst="roundRect">
             <a:avLst/>
@@ -51217,7 +51197,7 @@
         </p:nvSpPr>
         <p:spPr>
           <a:xfrm>
-            <a:off x="588278" y="8463346"/>
+            <a:off x="588278" y="7795171"/>
             <a:ext cx="5164840" cy="1924123"/>
           </a:xfrm>
           <a:prstGeom prst="ellipse">
@@ -51262,7 +51242,7 @@
         </p:nvSpPr>
         <p:spPr>
           <a:xfrm>
-            <a:off x="12196942" y="17948299"/>
+            <a:off x="12529227" y="18460375"/>
             <a:ext cx="6276964" cy="1708099"/>
           </a:xfrm>
           <a:prstGeom prst="ellipse">
@@ -51307,7 +51287,7 @@
         </p:nvSpPr>
         <p:spPr>
           <a:xfrm>
-            <a:off x="812836" y="18426397"/>
+            <a:off x="1188911" y="18930453"/>
             <a:ext cx="4715724" cy="1924123"/>
           </a:xfrm>
           <a:prstGeom prst="ellipse">
@@ -51360,7 +51340,7 @@
         </p:nvSpPr>
         <p:spPr>
           <a:xfrm>
-            <a:off x="1579635" y="3330675"/>
+            <a:off x="1801505" y="2914578"/>
             <a:ext cx="19840144" cy="3477875"/>
           </a:xfrm>
           <a:prstGeom prst="rect">
@@ -51382,15 +51362,23 @@
           <a:p>
             <a:r>
               <a:rPr lang="ja-JP" altLang="en-US" sz="4400" b="1" dirty="0"/>
-              <a:t>②主要</a:t>
+              <a:t>②</a:t>
             </a:r>
             <a:r>
-              <a:rPr lang="en-US" altLang="ja-JP" sz="4400" b="1" dirty="0"/>
-              <a:t>10</a:t>
+              <a:rPr lang="ja-JP" altLang="en-US" sz="4400" b="1" dirty="0" smtClean="0"/>
+              <a:t>主要</a:t>
+            </a:r>
+            <a:r>
+              <a:rPr lang="en-US" altLang="ja-JP" sz="4400" b="1" dirty="0" smtClean="0"/>
+              <a:t>9</a:t>
+            </a:r>
+            <a:r>
+              <a:rPr lang="ja-JP" altLang="en-US" sz="4400" b="1" dirty="0" smtClean="0"/>
+              <a:t>分野</a:t>
             </a:r>
             <a:r>
               <a:rPr lang="ja-JP" altLang="en-US" sz="4400" b="1" dirty="0"/>
-              <a:t>分野でヒットした商品，ヒットしていない商品を調査する．</a:t>
+              <a:t>でヒットした商品，ヒットしていない商品を調査する．</a:t>
             </a:r>
           </a:p>
           <a:p>
@@ -51462,8 +51450,8 @@
         </p:nvCxnSpPr>
         <p:spPr>
           <a:xfrm>
-            <a:off x="5631606" y="12103021"/>
-            <a:ext cx="2469406" cy="1747325"/>
+            <a:off x="6237822" y="11793460"/>
+            <a:ext cx="2182592" cy="1762349"/>
           </a:xfrm>
           <a:prstGeom prst="straightConnector1">
             <a:avLst/>
@@ -51498,8 +51486,8 @@
         </p:nvCxnSpPr>
         <p:spPr>
           <a:xfrm flipV="1">
-            <a:off x="5631606" y="13850346"/>
-            <a:ext cx="2469406" cy="1829525"/>
+            <a:off x="6237822" y="13555809"/>
+            <a:ext cx="2182592" cy="2232250"/>
           </a:xfrm>
           <a:prstGeom prst="straightConnector1">
             <a:avLst/>
@@ -51532,14 +51520,14 @@
           <p:nvPr>
             <p:extLst>
               <p:ext uri="{D42A27DB-BD31-4B8C-83A1-F6EECF244321}">
-                <p14:modId xmlns:p14="http://schemas.microsoft.com/office/powerpoint/2010/main" val="1025548414"/>
+                <p14:modId xmlns:p14="http://schemas.microsoft.com/office/powerpoint/2010/main" val="114397169"/>
               </p:ext>
             </p:extLst>
           </p:nvPr>
         </p:nvGraphicFramePr>
         <p:xfrm>
-          <a:off x="8101012" y="11899626"/>
-          <a:ext cx="3816524" cy="3901440"/>
+          <a:off x="8420414" y="11529311"/>
+          <a:ext cx="3816524" cy="4052997"/>
         </p:xfrm>
         <a:graphic>
           <a:graphicData uri="http://schemas.openxmlformats.org/drawingml/2006/table">
@@ -51553,7 +51541,7 @@
                 <a:gridCol w="954131"/>
                 <a:gridCol w="954131"/>
               </a:tblGrid>
-              <a:tr h="882098">
+              <a:tr h="1126917">
                 <a:tc>
                   <a:txBody>
                     <a:bodyPr/>
@@ -51579,7 +51567,7 @@
                     <a:bodyPr/>
                     <a:lstStyle/>
                     <a:p>
-                      <a:endParaRPr kumimoji="1" lang="ja-JP" altLang="en-US"/>
+                      <a:endParaRPr kumimoji="1" lang="ja-JP" altLang="en-US" dirty="0"/>
                     </a:p>
                   </a:txBody>
                   <a:tcPr/>
@@ -51589,13 +51577,13 @@
                     <a:bodyPr/>
                     <a:lstStyle/>
                     <a:p>
-                      <a:endParaRPr kumimoji="1" lang="ja-JP" altLang="en-US"/>
+                      <a:endParaRPr kumimoji="1" lang="ja-JP" altLang="en-US" dirty="0"/>
                     </a:p>
                   </a:txBody>
                   <a:tcPr/>
                 </a:tc>
               </a:tr>
-              <a:tr h="882098">
+              <a:tr h="871714">
                 <a:tc>
                   <a:txBody>
                     <a:bodyPr/>
@@ -51637,7 +51625,7 @@
                   <a:tcPr/>
                 </a:tc>
               </a:tr>
-              <a:tr h="882098">
+              <a:tr h="871714">
                 <a:tc>
                   <a:txBody>
                     <a:bodyPr/>
@@ -51679,7 +51667,7 @@
                   <a:tcPr/>
                 </a:tc>
               </a:tr>
-              <a:tr h="882098">
+              <a:tr h="871714">
                 <a:tc>
                   <a:txBody>
                     <a:bodyPr/>
@@ -51736,8 +51724,8 @@
         </p:nvCxnSpPr>
         <p:spPr>
           <a:xfrm>
-            <a:off x="11917536" y="13850346"/>
-            <a:ext cx="2057067" cy="0"/>
+            <a:off x="12236938" y="13555809"/>
+            <a:ext cx="1737665" cy="2"/>
           </a:xfrm>
           <a:prstGeom prst="straightConnector1">
             <a:avLst/>
@@ -51761,173 +51749,6 @@
           </a:fontRef>
         </p:style>
       </p:cxnSp>
-      <p:sp>
-        <p:nvSpPr>
-          <p:cNvPr id="53" name="角丸四角形 52"/>
-          <p:cNvSpPr/>
-          <p:nvPr/>
-        </p:nvSpPr>
-        <p:spPr>
-          <a:xfrm>
-            <a:off x="1778949" y="10555025"/>
-            <a:ext cx="3852657" cy="3095991"/>
-          </a:xfrm>
-          <a:prstGeom prst="roundRect">
-            <a:avLst/>
-          </a:prstGeom>
-          <a:solidFill>
-            <a:schemeClr val="tx2">
-              <a:lumMod val="90000"/>
-            </a:schemeClr>
-          </a:solidFill>
-        </p:spPr>
-        <p:style>
-          <a:lnRef idx="2">
-            <a:schemeClr val="accent1">
-              <a:shade val="50000"/>
-            </a:schemeClr>
-          </a:lnRef>
-          <a:fillRef idx="1">
-            <a:schemeClr val="accent1"/>
-          </a:fillRef>
-          <a:effectRef idx="0">
-            <a:schemeClr val="accent1"/>
-          </a:effectRef>
-          <a:fontRef idx="minor">
-            <a:schemeClr val="lt1"/>
-          </a:fontRef>
-        </p:style>
-        <p:txBody>
-          <a:bodyPr rtlCol="0" anchor="ctr"/>
-          <a:lstStyle/>
-          <a:p>
-            <a:pPr algn="ctr"/>
-            <a:endParaRPr kumimoji="1" lang="ja-JP" altLang="en-US" dirty="0"/>
-          </a:p>
-        </p:txBody>
-      </p:sp>
-      <p:sp>
-        <p:nvSpPr>
-          <p:cNvPr id="66" name="角丸四角形 65"/>
-          <p:cNvSpPr/>
-          <p:nvPr/>
-        </p:nvSpPr>
-        <p:spPr>
-          <a:xfrm>
-            <a:off x="1778949" y="14131875"/>
-            <a:ext cx="3852657" cy="3095991"/>
-          </a:xfrm>
-          <a:prstGeom prst="roundRect">
-            <a:avLst/>
-          </a:prstGeom>
-          <a:solidFill>
-            <a:schemeClr val="tx2">
-              <a:lumMod val="75000"/>
-            </a:schemeClr>
-          </a:solidFill>
-        </p:spPr>
-        <p:style>
-          <a:lnRef idx="2">
-            <a:schemeClr val="accent1">
-              <a:shade val="50000"/>
-            </a:schemeClr>
-          </a:lnRef>
-          <a:fillRef idx="1">
-            <a:schemeClr val="accent1"/>
-          </a:fillRef>
-          <a:effectRef idx="0">
-            <a:schemeClr val="accent1"/>
-          </a:effectRef>
-          <a:fontRef idx="minor">
-            <a:schemeClr val="lt1"/>
-          </a:fontRef>
-        </p:style>
-        <p:txBody>
-          <a:bodyPr rtlCol="0" anchor="ctr"/>
-          <a:lstStyle/>
-          <a:p>
-            <a:pPr algn="ctr"/>
-            <a:endParaRPr kumimoji="1" lang="ja-JP" altLang="en-US"/>
-          </a:p>
-        </p:txBody>
-      </p:sp>
-      <p:sp>
-        <p:nvSpPr>
-          <p:cNvPr id="64" name="テキスト ボックス 63"/>
-          <p:cNvSpPr txBox="1"/>
-          <p:nvPr/>
-        </p:nvSpPr>
-        <p:spPr>
-          <a:xfrm>
-            <a:off x="1777387" y="11164301"/>
-            <a:ext cx="3961498" cy="1877437"/>
-          </a:xfrm>
-          <a:prstGeom prst="rect">
-            <a:avLst/>
-          </a:prstGeom>
-          <a:noFill/>
-        </p:spPr>
-        <p:txBody>
-          <a:bodyPr wrap="square" rtlCol="0">
-            <a:spAutoFit/>
-          </a:bodyPr>
-          <a:lstStyle/>
-          <a:p>
-            <a:pPr algn="ctr"/>
-            <a:r>
-              <a:rPr lang="en-US" altLang="ja-JP" dirty="0"/>
-              <a:t>28</a:t>
-            </a:r>
-            <a:r>
-              <a:rPr lang="ja-JP" altLang="en-US" dirty="0"/>
-              <a:t>種のヒット商品</a:t>
-            </a:r>
-          </a:p>
-        </p:txBody>
-      </p:sp>
-      <p:sp>
-        <p:nvSpPr>
-          <p:cNvPr id="65" name="テキスト ボックス 64"/>
-          <p:cNvSpPr txBox="1"/>
-          <p:nvPr/>
-        </p:nvSpPr>
-        <p:spPr>
-          <a:xfrm>
-            <a:off x="2017145" y="14741152"/>
-            <a:ext cx="3346436" cy="1877437"/>
-          </a:xfrm>
-          <a:prstGeom prst="rect">
-            <a:avLst/>
-          </a:prstGeom>
-          <a:noFill/>
-        </p:spPr>
-        <p:txBody>
-          <a:bodyPr wrap="square" rtlCol="0">
-            <a:spAutoFit/>
-          </a:bodyPr>
-          <a:lstStyle/>
-          <a:p>
-            <a:pPr algn="ctr"/>
-            <a:r>
-              <a:rPr kumimoji="1" lang="en-US" altLang="ja-JP" dirty="0" smtClean="0"/>
-              <a:t>17</a:t>
-            </a:r>
-            <a:r>
-              <a:rPr kumimoji="1" lang="ja-JP" altLang="en-US" dirty="0" smtClean="0"/>
-              <a:t>項目の</a:t>
-            </a:r>
-            <a:endParaRPr kumimoji="1" lang="en-US" altLang="ja-JP" dirty="0" smtClean="0"/>
-          </a:p>
-          <a:p>
-            <a:pPr algn="ctr"/>
-            <a:r>
-              <a:rPr lang="ja-JP" altLang="en-US" dirty="0"/>
-              <a:t>評価基準</a:t>
-            </a:r>
-            <a:endParaRPr kumimoji="1" lang="ja-JP" altLang="en-US" dirty="0"/>
-          </a:p>
-        </p:txBody>
-      </p:sp>
       <p:pic>
         <p:nvPicPr>
           <p:cNvPr id="1026" name="Picture 2"/>
@@ -51951,7 +51772,7 @@
         </p:blipFill>
         <p:spPr bwMode="auto">
           <a:xfrm>
-            <a:off x="13974603" y="10854725"/>
+            <a:off x="13974603" y="10560190"/>
             <a:ext cx="6000170" cy="5991241"/>
           </a:xfrm>
           <a:prstGeom prst="rect">
@@ -51984,14 +51805,14 @@
       </p:pic>
       <p:sp>
         <p:nvSpPr>
-          <p:cNvPr id="36" name="テキスト ボックス 35"/>
+          <p:cNvPr id="39" name="テキスト ボックス 38"/>
           <p:cNvSpPr txBox="1"/>
           <p:nvPr/>
         </p:nvSpPr>
         <p:spPr>
           <a:xfrm>
-            <a:off x="1346345" y="25542266"/>
-            <a:ext cx="9299159" cy="1877437"/>
+            <a:off x="1724284" y="21530693"/>
+            <a:ext cx="8724576" cy="5724644"/>
           </a:xfrm>
           <a:prstGeom prst="rect">
             <a:avLst/>
@@ -52005,83 +51826,364 @@
           <a:lstStyle/>
           <a:p>
             <a:r>
-              <a:rPr kumimoji="1" lang="ja-JP" altLang="en-US" dirty="0" smtClean="0"/>
-              <a:t>プロジェクトの新規性を</a:t>
+              <a:rPr kumimoji="1" lang="ja-JP" altLang="en-US" sz="6000" dirty="0" smtClean="0"/>
+              <a:t>データマイニング</a:t>
             </a:r>
-            <a:endParaRPr kumimoji="1" lang="en-US" altLang="ja-JP" dirty="0" smtClean="0"/>
+            <a:r>
+              <a:rPr kumimoji="1" lang="ja-JP" altLang="en-US" sz="6000" dirty="0" smtClean="0"/>
+              <a:t>を利用</a:t>
+            </a:r>
+            <a:r>
+              <a:rPr kumimoji="1" lang="ja-JP" altLang="en-US" sz="6000" dirty="0" smtClean="0"/>
+              <a:t>してヒットの要因を</a:t>
+            </a:r>
+            <a:r>
+              <a:rPr kumimoji="1" lang="ja-JP" altLang="en-US" sz="6000" dirty="0" smtClean="0"/>
+              <a:t>把握する</a:t>
+            </a:r>
+            <a:r>
+              <a:rPr lang="ja-JP" altLang="en-US" sz="6000" dirty="0"/>
+              <a:t>技術は</a:t>
+            </a:r>
+            <a:r>
+              <a:rPr lang="ja-JP" altLang="en-US" sz="6000" dirty="0" smtClean="0"/>
+              <a:t>プロジェクト</a:t>
+            </a:r>
+            <a:r>
+              <a:rPr lang="ja-JP" altLang="en-US" sz="6000" dirty="0"/>
+              <a:t>の新規性</a:t>
+            </a:r>
+            <a:r>
+              <a:rPr lang="ja-JP" altLang="en-US" sz="6000" dirty="0" smtClean="0"/>
+              <a:t>を見出す</a:t>
+            </a:r>
+            <a:r>
+              <a:rPr lang="ja-JP" altLang="en-US" sz="6000" dirty="0"/>
+              <a:t>方法のひとつと</a:t>
+            </a:r>
+            <a:r>
+              <a:rPr lang="ja-JP" altLang="en-US" sz="6000" dirty="0" smtClean="0"/>
+              <a:t>なる</a:t>
+            </a:r>
+            <a:r>
+              <a:rPr lang="en-US" altLang="ja-JP" sz="6000" dirty="0" smtClean="0"/>
+              <a:t>.</a:t>
+            </a:r>
+            <a:endParaRPr lang="ja-JP" altLang="en-US" sz="6000" dirty="0"/>
           </a:p>
           <a:p>
-            <a:r>
-              <a:rPr kumimoji="1" lang="ja-JP" altLang="en-US" dirty="0" smtClean="0"/>
-              <a:t>見出す方法のひとつとなる</a:t>
-            </a:r>
-            <a:endParaRPr kumimoji="1" lang="ja-JP" altLang="en-US" dirty="0"/>
+            <a:endParaRPr kumimoji="1" lang="ja-JP" altLang="en-US" sz="6600" dirty="0"/>
           </a:p>
         </p:txBody>
       </p:sp>
-      <p:sp>
-        <p:nvSpPr>
-          <p:cNvPr id="39" name="テキスト ボックス 38"/>
-          <p:cNvSpPr txBox="1"/>
+      <p:grpSp>
+        <p:nvGrpSpPr>
+          <p:cNvPr id="1037" name="グループ化 1036"/>
+          <p:cNvGrpSpPr/>
           <p:nvPr/>
-        </p:nvSpPr>
-        <p:spPr>
+        </p:nvGrpSpPr>
+        <p:grpSpPr>
           <a:xfrm>
-            <a:off x="1604100" y="21260665"/>
-            <a:ext cx="8724576" cy="1877437"/>
+            <a:off x="1552694" y="9988428"/>
+            <a:ext cx="4685128" cy="3610064"/>
+            <a:chOff x="1831808" y="9945747"/>
+            <a:chExt cx="4685128" cy="3610064"/>
           </a:xfrm>
-          <a:prstGeom prst="rect">
-            <a:avLst/>
-          </a:prstGeom>
-          <a:noFill/>
-        </p:spPr>
-        <p:txBody>
-          <a:bodyPr wrap="square" rtlCol="0">
-            <a:spAutoFit/>
-          </a:bodyPr>
-          <a:lstStyle/>
-          <a:p>
-            <a:r>
-              <a:rPr kumimoji="1" lang="ja-JP" altLang="en-US" dirty="0" smtClean="0"/>
-              <a:t>データマイニングを利用してヒットの要因を把握</a:t>
-            </a:r>
-            <a:endParaRPr kumimoji="1" lang="ja-JP" altLang="en-US" dirty="0"/>
-          </a:p>
-        </p:txBody>
-      </p:sp>
-      <p:cxnSp>
-        <p:nvCxnSpPr>
-          <p:cNvPr id="41" name="直線矢印コネクタ 40"/>
-          <p:cNvCxnSpPr/>
+        </p:grpSpPr>
+        <p:sp>
+          <p:nvSpPr>
+            <p:cNvPr id="53" name="角丸四角形 52"/>
+            <p:cNvSpPr/>
+            <p:nvPr/>
+          </p:nvSpPr>
+          <p:spPr>
+            <a:xfrm>
+              <a:off x="1831808" y="9945747"/>
+              <a:ext cx="4685128" cy="3610064"/>
+            </a:xfrm>
+            <a:prstGeom prst="roundRect">
+              <a:avLst/>
+            </a:prstGeom>
+            <a:solidFill>
+              <a:schemeClr val="tx2">
+                <a:lumMod val="90000"/>
+              </a:schemeClr>
+            </a:solidFill>
+          </p:spPr>
+          <p:style>
+            <a:lnRef idx="2">
+              <a:schemeClr val="accent1">
+                <a:shade val="50000"/>
+              </a:schemeClr>
+            </a:lnRef>
+            <a:fillRef idx="1">
+              <a:schemeClr val="accent1"/>
+            </a:fillRef>
+            <a:effectRef idx="0">
+              <a:schemeClr val="accent1"/>
+            </a:effectRef>
+            <a:fontRef idx="minor">
+              <a:schemeClr val="lt1"/>
+            </a:fontRef>
+          </p:style>
+          <p:txBody>
+            <a:bodyPr rtlCol="0" anchor="ctr"/>
+            <a:lstStyle/>
+            <a:p>
+              <a:pPr algn="ctr"/>
+              <a:endParaRPr kumimoji="1" lang="ja-JP" altLang="en-US" dirty="0"/>
+            </a:p>
+          </p:txBody>
+        </p:sp>
+        <p:sp>
+          <p:nvSpPr>
+            <p:cNvPr id="64" name="テキスト ボックス 63"/>
+            <p:cNvSpPr txBox="1"/>
+            <p:nvPr/>
+          </p:nvSpPr>
+          <p:spPr>
+            <a:xfrm>
+              <a:off x="2067663" y="10164145"/>
+              <a:ext cx="3961498" cy="1877437"/>
+            </a:xfrm>
+            <a:prstGeom prst="rect">
+              <a:avLst/>
+            </a:prstGeom>
+            <a:noFill/>
+          </p:spPr>
+          <p:txBody>
+            <a:bodyPr wrap="square" rtlCol="0">
+              <a:spAutoFit/>
+            </a:bodyPr>
+            <a:lstStyle/>
+            <a:p>
+              <a:pPr algn="ctr"/>
+              <a:r>
+                <a:rPr lang="en-US" altLang="ja-JP" dirty="0"/>
+                <a:t>28</a:t>
+              </a:r>
+              <a:r>
+                <a:rPr lang="ja-JP" altLang="en-US" dirty="0"/>
+                <a:t>種の</a:t>
+              </a:r>
+              <a:r>
+                <a:rPr lang="ja-JP" altLang="en-US" dirty="0" smtClean="0"/>
+                <a:t>ヒット商品</a:t>
+              </a:r>
+            </a:p>
+          </p:txBody>
+        </p:sp>
+        <p:sp>
+          <p:nvSpPr>
+            <p:cNvPr id="22" name="テキスト ボックス 21"/>
+            <p:cNvSpPr txBox="1"/>
+            <p:nvPr/>
+          </p:nvSpPr>
+          <p:spPr>
+            <a:xfrm>
+              <a:off x="2062971" y="12070720"/>
+              <a:ext cx="4165933" cy="1200329"/>
+            </a:xfrm>
+            <a:prstGeom prst="rect">
+              <a:avLst/>
+            </a:prstGeom>
+            <a:noFill/>
+          </p:spPr>
+          <p:txBody>
+            <a:bodyPr wrap="square" rtlCol="0">
+              <a:spAutoFit/>
+            </a:bodyPr>
+            <a:lstStyle/>
+            <a:p>
+              <a:r>
+                <a:rPr kumimoji="1" lang="ja-JP" altLang="en-US" sz="3600" dirty="0" smtClean="0"/>
+                <a:t>（</a:t>
+              </a:r>
+              <a:r>
+                <a:rPr kumimoji="1" lang="en-US" altLang="ja-JP" sz="3600" dirty="0" smtClean="0"/>
+                <a:t>ex.</a:t>
+              </a:r>
+              <a:r>
+                <a:rPr kumimoji="1" lang="ja-JP" altLang="en-US" sz="3600" dirty="0" smtClean="0"/>
+                <a:t>ミニ四駆</a:t>
+              </a:r>
+              <a:r>
+                <a:rPr kumimoji="1" lang="en-US" altLang="ja-JP" sz="3600" dirty="0" smtClean="0"/>
+                <a:t>,</a:t>
+              </a:r>
+              <a:r>
+                <a:rPr kumimoji="1" lang="ja-JP" altLang="en-US" sz="3600" dirty="0" smtClean="0"/>
+                <a:t>ファービー</a:t>
+              </a:r>
+              <a:r>
+                <a:rPr kumimoji="1" lang="en-US" altLang="ja-JP" sz="3600" dirty="0" smtClean="0"/>
+                <a:t>etc…</a:t>
+              </a:r>
+              <a:r>
+                <a:rPr kumimoji="1" lang="ja-JP" altLang="en-US" sz="3600" dirty="0" smtClean="0"/>
+                <a:t>）</a:t>
+              </a:r>
+              <a:endParaRPr kumimoji="1" lang="ja-JP" altLang="en-US" sz="3600" dirty="0"/>
+            </a:p>
+          </p:txBody>
+        </p:sp>
+      </p:grpSp>
+      <p:grpSp>
+        <p:nvGrpSpPr>
+          <p:cNvPr id="1038" name="グループ化 1037"/>
+          <p:cNvGrpSpPr/>
           <p:nvPr/>
-        </p:nvCxnSpPr>
-        <p:spPr>
+        </p:nvGrpSpPr>
+        <p:grpSpPr>
           <a:xfrm>
-            <a:off x="5936851" y="23440347"/>
-            <a:ext cx="29537" cy="1905335"/>
+            <a:off x="1552692" y="13915851"/>
+            <a:ext cx="5722610" cy="3744416"/>
+            <a:chOff x="1831806" y="13915851"/>
+            <a:chExt cx="5722610" cy="3744416"/>
           </a:xfrm>
-          <a:prstGeom prst="straightConnector1">
-            <a:avLst/>
-          </a:prstGeom>
-          <a:ln w="254000">
-            <a:tailEnd type="arrow"/>
-          </a:ln>
-        </p:spPr>
-        <p:style>
-          <a:lnRef idx="2">
-            <a:schemeClr val="accent3"/>
-          </a:lnRef>
-          <a:fillRef idx="0">
-            <a:schemeClr val="accent3"/>
-          </a:fillRef>
-          <a:effectRef idx="1">
-            <a:schemeClr val="accent3"/>
-          </a:effectRef>
-          <a:fontRef idx="minor">
-            <a:schemeClr val="tx1"/>
-          </a:fontRef>
-        </p:style>
-      </p:cxnSp>
+        </p:grpSpPr>
+        <p:sp>
+          <p:nvSpPr>
+            <p:cNvPr id="66" name="角丸四角形 65"/>
+            <p:cNvSpPr/>
+            <p:nvPr/>
+          </p:nvSpPr>
+          <p:spPr>
+            <a:xfrm>
+              <a:off x="1831806" y="13915851"/>
+              <a:ext cx="4685130" cy="3744416"/>
+            </a:xfrm>
+            <a:prstGeom prst="roundRect">
+              <a:avLst/>
+            </a:prstGeom>
+            <a:solidFill>
+              <a:schemeClr val="tx2">
+                <a:lumMod val="75000"/>
+              </a:schemeClr>
+            </a:solidFill>
+          </p:spPr>
+          <p:style>
+            <a:lnRef idx="2">
+              <a:schemeClr val="accent1">
+                <a:shade val="50000"/>
+              </a:schemeClr>
+            </a:lnRef>
+            <a:fillRef idx="1">
+              <a:schemeClr val="accent1"/>
+            </a:fillRef>
+            <a:effectRef idx="0">
+              <a:schemeClr val="accent1"/>
+            </a:effectRef>
+            <a:fontRef idx="minor">
+              <a:schemeClr val="lt1"/>
+            </a:fontRef>
+          </p:style>
+          <p:txBody>
+            <a:bodyPr rtlCol="0" anchor="ctr"/>
+            <a:lstStyle/>
+            <a:p>
+              <a:pPr algn="ctr"/>
+              <a:endParaRPr kumimoji="1" lang="ja-JP" altLang="en-US"/>
+            </a:p>
+          </p:txBody>
+        </p:sp>
+        <p:sp>
+          <p:nvSpPr>
+            <p:cNvPr id="65" name="テキスト ボックス 64"/>
+            <p:cNvSpPr txBox="1"/>
+            <p:nvPr/>
+          </p:nvSpPr>
+          <p:spPr>
+            <a:xfrm>
+              <a:off x="2375194" y="14277949"/>
+              <a:ext cx="3346436" cy="1877437"/>
+            </a:xfrm>
+            <a:prstGeom prst="rect">
+              <a:avLst/>
+            </a:prstGeom>
+            <a:noFill/>
+          </p:spPr>
+          <p:txBody>
+            <a:bodyPr wrap="square" rtlCol="0">
+              <a:spAutoFit/>
+            </a:bodyPr>
+            <a:lstStyle/>
+            <a:p>
+              <a:pPr algn="ctr"/>
+              <a:r>
+                <a:rPr kumimoji="1" lang="en-US" altLang="ja-JP" dirty="0" smtClean="0"/>
+                <a:t>17</a:t>
+              </a:r>
+              <a:r>
+                <a:rPr kumimoji="1" lang="ja-JP" altLang="en-US" dirty="0" smtClean="0"/>
+                <a:t>項目の</a:t>
+              </a:r>
+              <a:endParaRPr kumimoji="1" lang="en-US" altLang="ja-JP" dirty="0" smtClean="0"/>
+            </a:p>
+            <a:p>
+              <a:pPr algn="ctr"/>
+              <a:r>
+                <a:rPr lang="ja-JP" altLang="en-US" dirty="0"/>
+                <a:t>評価基準</a:t>
+              </a:r>
+              <a:endParaRPr kumimoji="1" lang="ja-JP" altLang="en-US" dirty="0"/>
+            </a:p>
+          </p:txBody>
+        </p:sp>
+        <p:sp>
+          <p:nvSpPr>
+            <p:cNvPr id="40" name="テキスト ボックス 39"/>
+            <p:cNvSpPr txBox="1"/>
+            <p:nvPr/>
+          </p:nvSpPr>
+          <p:spPr>
+            <a:xfrm>
+              <a:off x="2067663" y="16133979"/>
+              <a:ext cx="5486753" cy="1200329"/>
+            </a:xfrm>
+            <a:prstGeom prst="rect">
+              <a:avLst/>
+            </a:prstGeom>
+            <a:noFill/>
+          </p:spPr>
+          <p:txBody>
+            <a:bodyPr wrap="square" rtlCol="0">
+              <a:spAutoFit/>
+            </a:bodyPr>
+            <a:lstStyle/>
+            <a:p>
+              <a:r>
+                <a:rPr kumimoji="1" lang="ja-JP" altLang="en-US" sz="3600" dirty="0" smtClean="0"/>
+                <a:t>（</a:t>
+              </a:r>
+              <a:r>
+                <a:rPr kumimoji="1" lang="en-US" altLang="ja-JP" sz="3600" dirty="0" smtClean="0"/>
+                <a:t>ex.</a:t>
+              </a:r>
+              <a:r>
+                <a:rPr kumimoji="1" lang="ja-JP" altLang="en-US" sz="3600" dirty="0" smtClean="0"/>
+                <a:t>安全か，</a:t>
+              </a:r>
+              <a:endParaRPr kumimoji="1" lang="en-US" altLang="ja-JP" sz="3600" dirty="0" smtClean="0"/>
+            </a:p>
+            <a:p>
+              <a:r>
+                <a:rPr kumimoji="1" lang="ja-JP" altLang="en-US" sz="3600" dirty="0" smtClean="0"/>
+                <a:t>すぐ遊べるか</a:t>
+              </a:r>
+              <a:r>
+                <a:rPr kumimoji="1" lang="en-US" altLang="ja-JP" sz="3600" dirty="0" smtClean="0"/>
+                <a:t>etc…</a:t>
+              </a:r>
+              <a:r>
+                <a:rPr kumimoji="1" lang="ja-JP" altLang="en-US" sz="3600" dirty="0" smtClean="0"/>
+                <a:t> ）</a:t>
+              </a:r>
+              <a:endParaRPr kumimoji="1" lang="ja-JP" altLang="en-US" sz="3600" dirty="0"/>
+            </a:p>
+          </p:txBody>
+        </p:sp>
+      </p:grpSp>
     </p:spTree>
     <p:extLst>
       <p:ext uri="{BB962C8B-B14F-4D97-AF65-F5344CB8AC3E}">
